--- a/18_7_10_Meeting 1.pptx
+++ b/18_7_10_Meeting 1.pptx
@@ -5,7 +5,7 @@
     <p:sldMasterId id="2147483743" r:id="rId1"/>
   </p:sldMasterIdLst>
   <p:notesMasterIdLst>
-    <p:notesMasterId r:id="rId10"/>
+    <p:notesMasterId r:id="rId11"/>
   </p:notesMasterIdLst>
   <p:sldIdLst>
     <p:sldId id="256" r:id="rId2"/>
@@ -16,6 +16,7 @@
     <p:sldId id="261" r:id="rId7"/>
     <p:sldId id="265" r:id="rId8"/>
     <p:sldId id="264" r:id="rId9"/>
+    <p:sldId id="266" r:id="rId10"/>
   </p:sldIdLst>
   <p:sldSz cx="12192000" cy="6858000"/>
   <p:notesSz cx="6858000" cy="9144000"/>
@@ -204,7 +205,7 @@
           <a:p>
             <a:fld id="{8EB11250-32F8-4DAD-B8B1-C1CF521D853A}" type="datetimeFigureOut">
               <a:rPr lang="zh-CN" altLang="en-US" smtClean="0"/>
-              <a:t>2018/7/10</a:t>
+              <a:t>2020/3/15</a:t>
             </a:fld>
             <a:endParaRPr lang="zh-CN" altLang="en-US"/>
           </a:p>
@@ -268,38 +269,37 @@
           <a:p>
             <a:pPr lvl="0"/>
             <a:r>
-              <a:rPr lang="zh-CN" altLang="en-US" smtClean="0"/>
+              <a:rPr lang="zh-CN" altLang="en-US"/>
               <a:t>编辑母版文本样式</a:t>
             </a:r>
           </a:p>
           <a:p>
             <a:pPr lvl="1"/>
             <a:r>
-              <a:rPr lang="zh-CN" altLang="en-US" smtClean="0"/>
+              <a:rPr lang="zh-CN" altLang="en-US"/>
               <a:t>第二级</a:t>
             </a:r>
           </a:p>
           <a:p>
             <a:pPr lvl="2"/>
             <a:r>
-              <a:rPr lang="zh-CN" altLang="en-US" smtClean="0"/>
+              <a:rPr lang="zh-CN" altLang="en-US"/>
               <a:t>第三级</a:t>
             </a:r>
           </a:p>
           <a:p>
             <a:pPr lvl="3"/>
             <a:r>
-              <a:rPr lang="zh-CN" altLang="en-US" smtClean="0"/>
+              <a:rPr lang="zh-CN" altLang="en-US"/>
               <a:t>第四级</a:t>
             </a:r>
           </a:p>
           <a:p>
             <a:pPr lvl="4"/>
             <a:r>
-              <a:rPr lang="zh-CN" altLang="en-US" smtClean="0"/>
+              <a:rPr lang="zh-CN" altLang="en-US"/>
               <a:t>第五级</a:t>
             </a:r>
-            <a:endParaRPr lang="zh-CN" altLang="en-US"/>
           </a:p>
         </p:txBody>
       </p:sp>
@@ -648,7 +648,7 @@
           </a:lstStyle>
           <a:p>
             <a:r>
-              <a:rPr lang="zh-CN" altLang="en-US" smtClean="0"/>
+              <a:rPr lang="zh-CN" altLang="en-US"/>
               <a:t>单击此处编辑母版标题样式</a:t>
             </a:r>
             <a:endParaRPr lang="en-US" dirty="0"/>
@@ -768,7 +768,7 @@
           </a:lstStyle>
           <a:p>
             <a:r>
-              <a:rPr lang="zh-CN" altLang="en-US" smtClean="0"/>
+              <a:rPr lang="zh-CN" altLang="en-US"/>
               <a:t>单击以编辑母版副标题样式</a:t>
             </a:r>
             <a:endParaRPr lang="en-US" dirty="0"/>
@@ -807,7 +807,7 @@
           <a:p>
             <a:fld id="{5268A087-47ED-405F-92BC-3360289E2AE6}" type="datetimeFigureOut">
               <a:rPr lang="zh-CN" altLang="en-US" smtClean="0"/>
-              <a:t>2018/7/10</a:t>
+              <a:t>2020/3/15</a:t>
             </a:fld>
             <a:endParaRPr lang="zh-CN" altLang="en-US"/>
           </a:p>
@@ -1718,7 +1718,7 @@
           </a:lstStyle>
           <a:p>
             <a:r>
-              <a:rPr lang="zh-CN" altLang="en-US" smtClean="0"/>
+              <a:rPr lang="zh-CN" altLang="en-US"/>
               <a:t>单击此处编辑母版标题样式</a:t>
             </a:r>
             <a:endParaRPr lang="en-US" dirty="0"/>
@@ -1797,7 +1797,7 @@
           </a:lstStyle>
           <a:p>
             <a:r>
-              <a:rPr lang="zh-CN" altLang="en-US" smtClean="0"/>
+              <a:rPr lang="zh-CN" altLang="en-US"/>
               <a:t>单击图标添加图片</a:t>
             </a:r>
             <a:endParaRPr lang="en-US" dirty="0"/>
@@ -1872,7 +1872,7 @@
           <a:p>
             <a:pPr lvl="0"/>
             <a:r>
-              <a:rPr lang="zh-CN" altLang="en-US" smtClean="0"/>
+              <a:rPr lang="zh-CN" altLang="en-US"/>
               <a:t>编辑母版文本样式</a:t>
             </a:r>
           </a:p>
@@ -1895,7 +1895,7 @@
           <a:p>
             <a:fld id="{5268A087-47ED-405F-92BC-3360289E2AE6}" type="datetimeFigureOut">
               <a:rPr lang="zh-CN" altLang="en-US" smtClean="0"/>
-              <a:t>2018/7/10</a:t>
+              <a:t>2020/3/15</a:t>
             </a:fld>
             <a:endParaRPr lang="zh-CN" altLang="en-US"/>
           </a:p>
@@ -2784,7 +2784,7 @@
           </a:lstStyle>
           <a:p>
             <a:r>
-              <a:rPr lang="zh-CN" altLang="en-US" smtClean="0"/>
+              <a:rPr lang="zh-CN" altLang="en-US"/>
               <a:t>单击此处编辑母版标题样式</a:t>
             </a:r>
             <a:endParaRPr lang="en-US" dirty="0"/>
@@ -2852,7 +2852,7 @@
           <a:p>
             <a:pPr lvl="0"/>
             <a:r>
-              <a:rPr lang="zh-CN" altLang="en-US" smtClean="0"/>
+              <a:rPr lang="zh-CN" altLang="en-US"/>
               <a:t>编辑母版文本样式</a:t>
             </a:r>
           </a:p>
@@ -2875,7 +2875,7 @@
           <a:p>
             <a:fld id="{5268A087-47ED-405F-92BC-3360289E2AE6}" type="datetimeFigureOut">
               <a:rPr lang="zh-CN" altLang="en-US" smtClean="0"/>
-              <a:t>2018/7/10</a:t>
+              <a:t>2020/3/15</a:t>
             </a:fld>
             <a:endParaRPr lang="zh-CN" altLang="en-US"/>
           </a:p>
@@ -3842,7 +3842,7 @@
           </a:lstStyle>
           <a:p>
             <a:r>
-              <a:rPr lang="zh-CN" altLang="en-US" smtClean="0"/>
+              <a:rPr lang="zh-CN" altLang="en-US"/>
               <a:t>单击此处编辑母版标题样式</a:t>
             </a:r>
             <a:endParaRPr lang="en-US" dirty="0"/>
@@ -3919,7 +3919,7 @@
           <a:p>
             <a:pPr lvl="0"/>
             <a:r>
-              <a:rPr lang="zh-CN" altLang="en-US" smtClean="0"/>
+              <a:rPr lang="zh-CN" altLang="en-US"/>
               <a:t>编辑母版文本样式</a:t>
             </a:r>
           </a:p>
@@ -3986,7 +3986,7 @@
           <a:p>
             <a:pPr lvl="0"/>
             <a:r>
-              <a:rPr lang="zh-CN" altLang="en-US" smtClean="0"/>
+              <a:rPr lang="zh-CN" altLang="en-US"/>
               <a:t>编辑母版文本样式</a:t>
             </a:r>
           </a:p>
@@ -4009,7 +4009,7 @@
           <a:p>
             <a:fld id="{5268A087-47ED-405F-92BC-3360289E2AE6}" type="datetimeFigureOut">
               <a:rPr lang="zh-CN" altLang="en-US" smtClean="0"/>
-              <a:t>2018/7/10</a:t>
+              <a:t>2020/3/15</a:t>
             </a:fld>
             <a:endParaRPr lang="zh-CN" altLang="en-US"/>
           </a:p>
@@ -4898,7 +4898,7 @@
           </a:lstStyle>
           <a:p>
             <a:r>
-              <a:rPr lang="zh-CN" altLang="en-US" smtClean="0"/>
+              <a:rPr lang="zh-CN" altLang="en-US"/>
               <a:t>单击此处编辑母版标题样式</a:t>
             </a:r>
             <a:endParaRPr lang="en-US" dirty="0"/>
@@ -5019,7 +5019,7 @@
           <a:p>
             <a:pPr lvl="0"/>
             <a:r>
-              <a:rPr lang="zh-CN" altLang="en-US" smtClean="0"/>
+              <a:rPr lang="zh-CN" altLang="en-US"/>
               <a:t>编辑母版文本样式</a:t>
             </a:r>
           </a:p>
@@ -5042,7 +5042,7 @@
           <a:p>
             <a:fld id="{5268A087-47ED-405F-92BC-3360289E2AE6}" type="datetimeFigureOut">
               <a:rPr lang="zh-CN" altLang="en-US" smtClean="0"/>
-              <a:t>2018/7/10</a:t>
+              <a:t>2020/3/15</a:t>
             </a:fld>
             <a:endParaRPr lang="zh-CN" altLang="en-US"/>
           </a:p>
@@ -5181,7 +5181,7 @@
           </a:lstStyle>
           <a:p>
             <a:r>
-              <a:rPr lang="zh-CN" altLang="en-US" smtClean="0"/>
+              <a:rPr lang="zh-CN" altLang="en-US"/>
               <a:t>单击此处编辑母版标题样式</a:t>
             </a:r>
             <a:endParaRPr lang="en-US" dirty="0"/>
@@ -5256,7 +5256,7 @@
           <a:p>
             <a:pPr lvl="0"/>
             <a:r>
-              <a:rPr lang="zh-CN" altLang="en-US" smtClean="0"/>
+              <a:rPr lang="zh-CN" altLang="en-US"/>
               <a:t>编辑母版文本样式</a:t>
             </a:r>
           </a:p>
@@ -5323,7 +5323,7 @@
           <a:p>
             <a:pPr lvl="0"/>
             <a:r>
-              <a:rPr lang="zh-CN" altLang="en-US" smtClean="0"/>
+              <a:rPr lang="zh-CN" altLang="en-US"/>
               <a:t>编辑母版文本样式</a:t>
             </a:r>
           </a:p>
@@ -5397,7 +5397,7 @@
           <a:p>
             <a:pPr lvl="0"/>
             <a:r>
-              <a:rPr lang="zh-CN" altLang="en-US" smtClean="0"/>
+              <a:rPr lang="zh-CN" altLang="en-US"/>
               <a:t>编辑母版文本样式</a:t>
             </a:r>
           </a:p>
@@ -5464,7 +5464,7 @@
           <a:p>
             <a:pPr lvl="0"/>
             <a:r>
-              <a:rPr lang="zh-CN" altLang="en-US" smtClean="0"/>
+              <a:rPr lang="zh-CN" altLang="en-US"/>
               <a:t>编辑母版文本样式</a:t>
             </a:r>
           </a:p>
@@ -5538,7 +5538,7 @@
           <a:p>
             <a:pPr lvl="0"/>
             <a:r>
-              <a:rPr lang="zh-CN" altLang="en-US" smtClean="0"/>
+              <a:rPr lang="zh-CN" altLang="en-US"/>
               <a:t>编辑母版文本样式</a:t>
             </a:r>
           </a:p>
@@ -5605,7 +5605,7 @@
           <a:p>
             <a:pPr lvl="0"/>
             <a:r>
-              <a:rPr lang="zh-CN" altLang="en-US" smtClean="0"/>
+              <a:rPr lang="zh-CN" altLang="en-US"/>
               <a:t>编辑母版文本样式</a:t>
             </a:r>
           </a:p>
@@ -5702,7 +5702,7 @@
           <a:p>
             <a:fld id="{5268A087-47ED-405F-92BC-3360289E2AE6}" type="datetimeFigureOut">
               <a:rPr lang="zh-CN" altLang="en-US" smtClean="0"/>
-              <a:t>2018/7/10</a:t>
+              <a:t>2020/3/15</a:t>
             </a:fld>
             <a:endParaRPr lang="zh-CN" altLang="en-US"/>
           </a:p>
@@ -5805,7 +5805,7 @@
           </a:lstStyle>
           <a:p>
             <a:r>
-              <a:rPr lang="zh-CN" altLang="en-US" smtClean="0"/>
+              <a:rPr lang="zh-CN" altLang="en-US"/>
               <a:t>单击此处编辑母版标题样式</a:t>
             </a:r>
             <a:endParaRPr lang="en-US" dirty="0"/>
@@ -5880,7 +5880,7 @@
           <a:p>
             <a:pPr lvl="0"/>
             <a:r>
-              <a:rPr lang="zh-CN" altLang="en-US" smtClean="0"/>
+              <a:rPr lang="zh-CN" altLang="en-US"/>
               <a:t>编辑母版文本样式</a:t>
             </a:r>
           </a:p>
@@ -5958,7 +5958,7 @@
           </a:lstStyle>
           <a:p>
             <a:r>
-              <a:rPr lang="zh-CN" altLang="en-US" smtClean="0"/>
+              <a:rPr lang="zh-CN" altLang="en-US"/>
               <a:t>单击图标添加图片</a:t>
             </a:r>
             <a:endParaRPr lang="en-US" dirty="0"/>
@@ -6026,7 +6026,7 @@
           <a:p>
             <a:pPr lvl="0"/>
             <a:r>
-              <a:rPr lang="zh-CN" altLang="en-US" smtClean="0"/>
+              <a:rPr lang="zh-CN" altLang="en-US"/>
               <a:t>编辑母版文本样式</a:t>
             </a:r>
           </a:p>
@@ -6100,7 +6100,7 @@
           <a:p>
             <a:pPr lvl="0"/>
             <a:r>
-              <a:rPr lang="zh-CN" altLang="en-US" smtClean="0"/>
+              <a:rPr lang="zh-CN" altLang="en-US"/>
               <a:t>编辑母版文本样式</a:t>
             </a:r>
           </a:p>
@@ -6178,7 +6178,7 @@
           </a:lstStyle>
           <a:p>
             <a:r>
-              <a:rPr lang="zh-CN" altLang="en-US" smtClean="0"/>
+              <a:rPr lang="zh-CN" altLang="en-US"/>
               <a:t>单击图标添加图片</a:t>
             </a:r>
             <a:endParaRPr lang="en-US" dirty="0"/>
@@ -6246,7 +6246,7 @@
           <a:p>
             <a:pPr lvl="0"/>
             <a:r>
-              <a:rPr lang="zh-CN" altLang="en-US" smtClean="0"/>
+              <a:rPr lang="zh-CN" altLang="en-US"/>
               <a:t>编辑母版文本样式</a:t>
             </a:r>
           </a:p>
@@ -6320,7 +6320,7 @@
           <a:p>
             <a:pPr lvl="0"/>
             <a:r>
-              <a:rPr lang="zh-CN" altLang="en-US" smtClean="0"/>
+              <a:rPr lang="zh-CN" altLang="en-US"/>
               <a:t>编辑母版文本样式</a:t>
             </a:r>
           </a:p>
@@ -6398,7 +6398,7 @@
           </a:lstStyle>
           <a:p>
             <a:r>
-              <a:rPr lang="zh-CN" altLang="en-US" smtClean="0"/>
+              <a:rPr lang="zh-CN" altLang="en-US"/>
               <a:t>单击图标添加图片</a:t>
             </a:r>
             <a:endParaRPr lang="en-US" dirty="0"/>
@@ -6466,7 +6466,7 @@
           <a:p>
             <a:pPr lvl="0"/>
             <a:r>
-              <a:rPr lang="zh-CN" altLang="en-US" smtClean="0"/>
+              <a:rPr lang="zh-CN" altLang="en-US"/>
               <a:t>编辑母版文本样式</a:t>
             </a:r>
           </a:p>
@@ -6563,7 +6563,7 @@
           <a:p>
             <a:fld id="{5268A087-47ED-405F-92BC-3360289E2AE6}" type="datetimeFigureOut">
               <a:rPr lang="zh-CN" altLang="en-US" smtClean="0"/>
-              <a:t>2018/7/10</a:t>
+              <a:t>2020/3/15</a:t>
             </a:fld>
             <a:endParaRPr lang="zh-CN" altLang="en-US"/>
           </a:p>
@@ -6667,7 +6667,7 @@
           <a:lstStyle/>
           <a:p>
             <a:r>
-              <a:rPr lang="zh-CN" altLang="en-US" smtClean="0"/>
+              <a:rPr lang="zh-CN" altLang="en-US"/>
               <a:t>单击此处编辑母版标题样式</a:t>
             </a:r>
             <a:endParaRPr lang="en-US" dirty="0"/>
@@ -6696,35 +6696,35 @@
           <a:p>
             <a:pPr lvl="0"/>
             <a:r>
-              <a:rPr lang="zh-CN" altLang="en-US" smtClean="0"/>
+              <a:rPr lang="zh-CN" altLang="en-US"/>
               <a:t>编辑母版文本样式</a:t>
             </a:r>
           </a:p>
           <a:p>
             <a:pPr lvl="1"/>
             <a:r>
-              <a:rPr lang="zh-CN" altLang="en-US" smtClean="0"/>
+              <a:rPr lang="zh-CN" altLang="en-US"/>
               <a:t>第二级</a:t>
             </a:r>
           </a:p>
           <a:p>
             <a:pPr lvl="2"/>
             <a:r>
-              <a:rPr lang="zh-CN" altLang="en-US" smtClean="0"/>
+              <a:rPr lang="zh-CN" altLang="en-US"/>
               <a:t>第三级</a:t>
             </a:r>
           </a:p>
           <a:p>
             <a:pPr lvl="3"/>
             <a:r>
-              <a:rPr lang="zh-CN" altLang="en-US" smtClean="0"/>
+              <a:rPr lang="zh-CN" altLang="en-US"/>
               <a:t>第四级</a:t>
             </a:r>
           </a:p>
           <a:p>
             <a:pPr lvl="4"/>
             <a:r>
-              <a:rPr lang="zh-CN" altLang="en-US" smtClean="0"/>
+              <a:rPr lang="zh-CN" altLang="en-US"/>
               <a:t>第五级</a:t>
             </a:r>
             <a:endParaRPr lang="en-US" dirty="0"/>
@@ -6753,7 +6753,7 @@
           <a:p>
             <a:fld id="{5268A087-47ED-405F-92BC-3360289E2AE6}" type="datetimeFigureOut">
               <a:rPr lang="zh-CN" altLang="en-US" smtClean="0"/>
-              <a:t>2018/7/10</a:t>
+              <a:t>2020/3/15</a:t>
             </a:fld>
             <a:endParaRPr lang="zh-CN" altLang="en-US"/>
           </a:p>
@@ -7639,7 +7639,7 @@
           <a:lstStyle/>
           <a:p>
             <a:r>
-              <a:rPr lang="zh-CN" altLang="en-US" smtClean="0"/>
+              <a:rPr lang="zh-CN" altLang="en-US"/>
               <a:t>单击此处编辑母版标题样式</a:t>
             </a:r>
             <a:endParaRPr lang="en-US" dirty="0"/>
@@ -7668,35 +7668,35 @@
           <a:p>
             <a:pPr lvl="0"/>
             <a:r>
-              <a:rPr lang="zh-CN" altLang="en-US" smtClean="0"/>
+              <a:rPr lang="zh-CN" altLang="en-US"/>
               <a:t>编辑母版文本样式</a:t>
             </a:r>
           </a:p>
           <a:p>
             <a:pPr lvl="1"/>
             <a:r>
-              <a:rPr lang="zh-CN" altLang="en-US" smtClean="0"/>
+              <a:rPr lang="zh-CN" altLang="en-US"/>
               <a:t>第二级</a:t>
             </a:r>
           </a:p>
           <a:p>
             <a:pPr lvl="2"/>
             <a:r>
-              <a:rPr lang="zh-CN" altLang="en-US" smtClean="0"/>
+              <a:rPr lang="zh-CN" altLang="en-US"/>
               <a:t>第三级</a:t>
             </a:r>
           </a:p>
           <a:p>
             <a:pPr lvl="3"/>
             <a:r>
-              <a:rPr lang="zh-CN" altLang="en-US" smtClean="0"/>
+              <a:rPr lang="zh-CN" altLang="en-US"/>
               <a:t>第四级</a:t>
             </a:r>
           </a:p>
           <a:p>
             <a:pPr lvl="4"/>
             <a:r>
-              <a:rPr lang="zh-CN" altLang="en-US" smtClean="0"/>
+              <a:rPr lang="zh-CN" altLang="en-US"/>
               <a:t>第五级</a:t>
             </a:r>
             <a:endParaRPr lang="en-US" dirty="0"/>
@@ -7725,7 +7725,7 @@
           <a:p>
             <a:fld id="{5268A087-47ED-405F-92BC-3360289E2AE6}" type="datetimeFigureOut">
               <a:rPr lang="zh-CN" altLang="en-US" smtClean="0"/>
-              <a:t>2018/7/10</a:t>
+              <a:t>2020/3/15</a:t>
             </a:fld>
             <a:endParaRPr lang="zh-CN" altLang="en-US"/>
           </a:p>
@@ -7855,7 +7855,7 @@
           <a:lstStyle/>
           <a:p>
             <a:r>
-              <a:rPr lang="zh-CN" altLang="en-US" smtClean="0"/>
+              <a:rPr lang="zh-CN" altLang="en-US"/>
               <a:t>单击此处编辑母版标题样式</a:t>
             </a:r>
             <a:endParaRPr lang="en-US" dirty="0"/>
@@ -7884,35 +7884,35 @@
           <a:p>
             <a:pPr lvl="0"/>
             <a:r>
-              <a:rPr lang="zh-CN" altLang="en-US" smtClean="0"/>
+              <a:rPr lang="zh-CN" altLang="en-US"/>
               <a:t>编辑母版文本样式</a:t>
             </a:r>
           </a:p>
           <a:p>
             <a:pPr lvl="1"/>
             <a:r>
-              <a:rPr lang="zh-CN" altLang="en-US" smtClean="0"/>
+              <a:rPr lang="zh-CN" altLang="en-US"/>
               <a:t>第二级</a:t>
             </a:r>
           </a:p>
           <a:p>
             <a:pPr lvl="2"/>
             <a:r>
-              <a:rPr lang="zh-CN" altLang="en-US" smtClean="0"/>
+              <a:rPr lang="zh-CN" altLang="en-US"/>
               <a:t>第三级</a:t>
             </a:r>
           </a:p>
           <a:p>
             <a:pPr lvl="3"/>
             <a:r>
-              <a:rPr lang="zh-CN" altLang="en-US" smtClean="0"/>
+              <a:rPr lang="zh-CN" altLang="en-US"/>
               <a:t>第四级</a:t>
             </a:r>
           </a:p>
           <a:p>
             <a:pPr lvl="4"/>
             <a:r>
-              <a:rPr lang="zh-CN" altLang="en-US" smtClean="0"/>
+              <a:rPr lang="zh-CN" altLang="en-US"/>
               <a:t>第五级</a:t>
             </a:r>
             <a:endParaRPr lang="en-US" dirty="0"/>
@@ -7936,7 +7936,7 @@
           <a:p>
             <a:fld id="{5268A087-47ED-405F-92BC-3360289E2AE6}" type="datetimeFigureOut">
               <a:rPr lang="zh-CN" altLang="en-US" smtClean="0"/>
-              <a:t>2018/7/10</a:t>
+              <a:t>2020/3/15</a:t>
             </a:fld>
             <a:endParaRPr lang="zh-CN" altLang="en-US"/>
           </a:p>
@@ -8826,7 +8826,7 @@
           </a:lstStyle>
           <a:p>
             <a:r>
-              <a:rPr lang="zh-CN" altLang="en-US" smtClean="0"/>
+              <a:rPr lang="zh-CN" altLang="en-US"/>
               <a:t>单击此处编辑母版标题样式</a:t>
             </a:r>
             <a:endParaRPr lang="en-US" dirty="0"/>
@@ -8947,7 +8947,7 @@
           <a:p>
             <a:pPr lvl="0"/>
             <a:r>
-              <a:rPr lang="zh-CN" altLang="en-US" smtClean="0"/>
+              <a:rPr lang="zh-CN" altLang="en-US"/>
               <a:t>编辑母版文本样式</a:t>
             </a:r>
           </a:p>
@@ -8970,7 +8970,7 @@
           <a:p>
             <a:fld id="{5268A087-47ED-405F-92BC-3360289E2AE6}" type="datetimeFigureOut">
               <a:rPr lang="zh-CN" altLang="en-US" smtClean="0"/>
-              <a:t>2018/7/10</a:t>
+              <a:t>2020/3/15</a:t>
             </a:fld>
             <a:endParaRPr lang="zh-CN" altLang="en-US"/>
           </a:p>
@@ -9100,7 +9100,7 @@
           <a:lstStyle/>
           <a:p>
             <a:r>
-              <a:rPr lang="zh-CN" altLang="en-US" smtClean="0"/>
+              <a:rPr lang="zh-CN" altLang="en-US"/>
               <a:t>单击此处编辑母版标题样式</a:t>
             </a:r>
             <a:endParaRPr lang="en-US" dirty="0"/>
@@ -9131,35 +9131,35 @@
           <a:p>
             <a:pPr lvl="0"/>
             <a:r>
-              <a:rPr lang="zh-CN" altLang="en-US" smtClean="0"/>
+              <a:rPr lang="zh-CN" altLang="en-US"/>
               <a:t>编辑母版文本样式</a:t>
             </a:r>
           </a:p>
           <a:p>
             <a:pPr lvl="1"/>
             <a:r>
-              <a:rPr lang="zh-CN" altLang="en-US" smtClean="0"/>
+              <a:rPr lang="zh-CN" altLang="en-US"/>
               <a:t>第二级</a:t>
             </a:r>
           </a:p>
           <a:p>
             <a:pPr lvl="2"/>
             <a:r>
-              <a:rPr lang="zh-CN" altLang="en-US" smtClean="0"/>
+              <a:rPr lang="zh-CN" altLang="en-US"/>
               <a:t>第三级</a:t>
             </a:r>
           </a:p>
           <a:p>
             <a:pPr lvl="3"/>
             <a:r>
-              <a:rPr lang="zh-CN" altLang="en-US" smtClean="0"/>
+              <a:rPr lang="zh-CN" altLang="en-US"/>
               <a:t>第四级</a:t>
             </a:r>
           </a:p>
           <a:p>
             <a:pPr lvl="4"/>
             <a:r>
-              <a:rPr lang="zh-CN" altLang="en-US" smtClean="0"/>
+              <a:rPr lang="zh-CN" altLang="en-US"/>
               <a:t>第五级</a:t>
             </a:r>
             <a:endParaRPr lang="en-US" dirty="0"/>
@@ -9190,35 +9190,35 @@
           <a:p>
             <a:pPr lvl="0"/>
             <a:r>
-              <a:rPr lang="zh-CN" altLang="en-US" smtClean="0"/>
+              <a:rPr lang="zh-CN" altLang="en-US"/>
               <a:t>编辑母版文本样式</a:t>
             </a:r>
           </a:p>
           <a:p>
             <a:pPr lvl="1"/>
             <a:r>
-              <a:rPr lang="zh-CN" altLang="en-US" smtClean="0"/>
+              <a:rPr lang="zh-CN" altLang="en-US"/>
               <a:t>第二级</a:t>
             </a:r>
           </a:p>
           <a:p>
             <a:pPr lvl="2"/>
             <a:r>
-              <a:rPr lang="zh-CN" altLang="en-US" smtClean="0"/>
+              <a:rPr lang="zh-CN" altLang="en-US"/>
               <a:t>第三级</a:t>
             </a:r>
           </a:p>
           <a:p>
             <a:pPr lvl="3"/>
             <a:r>
-              <a:rPr lang="zh-CN" altLang="en-US" smtClean="0"/>
+              <a:rPr lang="zh-CN" altLang="en-US"/>
               <a:t>第四级</a:t>
             </a:r>
           </a:p>
           <a:p>
             <a:pPr lvl="4"/>
             <a:r>
-              <a:rPr lang="zh-CN" altLang="en-US" smtClean="0"/>
+              <a:rPr lang="zh-CN" altLang="en-US"/>
               <a:t>第五级</a:t>
             </a:r>
             <a:endParaRPr lang="en-US" dirty="0"/>
@@ -9242,7 +9242,7 @@
           <a:p>
             <a:fld id="{5268A087-47ED-405F-92BC-3360289E2AE6}" type="datetimeFigureOut">
               <a:rPr lang="zh-CN" altLang="en-US" smtClean="0"/>
-              <a:t>2018/7/10</a:t>
+              <a:t>2020/3/15</a:t>
             </a:fld>
             <a:endParaRPr lang="zh-CN" altLang="en-US"/>
           </a:p>
@@ -9340,7 +9340,7 @@
           </a:lstStyle>
           <a:p>
             <a:r>
-              <a:rPr lang="zh-CN" altLang="en-US" smtClean="0"/>
+              <a:rPr lang="zh-CN" altLang="en-US"/>
               <a:t>单击此处编辑母版标题样式</a:t>
             </a:r>
             <a:endParaRPr lang="en-US" dirty="0"/>
@@ -9412,7 +9412,7 @@
           <a:p>
             <a:pPr lvl="0"/>
             <a:r>
-              <a:rPr lang="zh-CN" altLang="en-US" smtClean="0"/>
+              <a:rPr lang="zh-CN" altLang="en-US"/>
               <a:t>编辑母版文本样式</a:t>
             </a:r>
           </a:p>
@@ -9442,35 +9442,35 @@
           <a:p>
             <a:pPr lvl="0"/>
             <a:r>
-              <a:rPr lang="zh-CN" altLang="en-US" smtClean="0"/>
+              <a:rPr lang="zh-CN" altLang="en-US"/>
               <a:t>编辑母版文本样式</a:t>
             </a:r>
           </a:p>
           <a:p>
             <a:pPr lvl="1"/>
             <a:r>
-              <a:rPr lang="zh-CN" altLang="en-US" smtClean="0"/>
+              <a:rPr lang="zh-CN" altLang="en-US"/>
               <a:t>第二级</a:t>
             </a:r>
           </a:p>
           <a:p>
             <a:pPr lvl="2"/>
             <a:r>
-              <a:rPr lang="zh-CN" altLang="en-US" smtClean="0"/>
+              <a:rPr lang="zh-CN" altLang="en-US"/>
               <a:t>第三级</a:t>
             </a:r>
           </a:p>
           <a:p>
             <a:pPr lvl="3"/>
             <a:r>
-              <a:rPr lang="zh-CN" altLang="en-US" smtClean="0"/>
+              <a:rPr lang="zh-CN" altLang="en-US"/>
               <a:t>第四级</a:t>
             </a:r>
           </a:p>
           <a:p>
             <a:pPr lvl="4"/>
             <a:r>
-              <a:rPr lang="zh-CN" altLang="en-US" smtClean="0"/>
+              <a:rPr lang="zh-CN" altLang="en-US"/>
               <a:t>第五级</a:t>
             </a:r>
             <a:endParaRPr lang="en-US" dirty="0"/>
@@ -9542,7 +9542,7 @@
           <a:p>
             <a:pPr lvl="0"/>
             <a:r>
-              <a:rPr lang="zh-CN" altLang="en-US" smtClean="0"/>
+              <a:rPr lang="zh-CN" altLang="en-US"/>
               <a:t>编辑母版文本样式</a:t>
             </a:r>
           </a:p>
@@ -9600,35 +9600,35 @@
           <a:p>
             <a:pPr lvl="0"/>
             <a:r>
-              <a:rPr lang="zh-CN" altLang="en-US" smtClean="0"/>
+              <a:rPr lang="zh-CN" altLang="en-US"/>
               <a:t>编辑母版文本样式</a:t>
             </a:r>
           </a:p>
           <a:p>
             <a:pPr lvl="1"/>
             <a:r>
-              <a:rPr lang="zh-CN" altLang="en-US" smtClean="0"/>
+              <a:rPr lang="zh-CN" altLang="en-US"/>
               <a:t>第二级</a:t>
             </a:r>
           </a:p>
           <a:p>
             <a:pPr lvl="2"/>
             <a:r>
-              <a:rPr lang="zh-CN" altLang="en-US" smtClean="0"/>
+              <a:rPr lang="zh-CN" altLang="en-US"/>
               <a:t>第三级</a:t>
             </a:r>
           </a:p>
           <a:p>
             <a:pPr lvl="3"/>
             <a:r>
-              <a:rPr lang="zh-CN" altLang="en-US" smtClean="0"/>
+              <a:rPr lang="zh-CN" altLang="en-US"/>
               <a:t>第四级</a:t>
             </a:r>
           </a:p>
           <a:p>
             <a:pPr lvl="4"/>
             <a:r>
-              <a:rPr lang="zh-CN" altLang="en-US" smtClean="0"/>
+              <a:rPr lang="zh-CN" altLang="en-US"/>
               <a:t>第五级</a:t>
             </a:r>
             <a:endParaRPr lang="en-US" dirty="0"/>
@@ -9652,7 +9652,7 @@
           <a:p>
             <a:fld id="{5268A087-47ED-405F-92BC-3360289E2AE6}" type="datetimeFigureOut">
               <a:rPr lang="zh-CN" altLang="en-US" smtClean="0"/>
-              <a:t>2018/7/10</a:t>
+              <a:t>2020/3/15</a:t>
             </a:fld>
             <a:endParaRPr lang="zh-CN" altLang="en-US"/>
           </a:p>
@@ -9755,7 +9755,7 @@
           </a:lstStyle>
           <a:p>
             <a:r>
-              <a:rPr lang="zh-CN" altLang="en-US" smtClean="0"/>
+              <a:rPr lang="zh-CN" altLang="en-US"/>
               <a:t>单击此处编辑母版标题样式</a:t>
             </a:r>
             <a:endParaRPr lang="en-US" dirty="0"/>
@@ -9779,7 +9779,7 @@
           <a:p>
             <a:fld id="{5268A087-47ED-405F-92BC-3360289E2AE6}" type="datetimeFigureOut">
               <a:rPr lang="zh-CN" altLang="en-US" smtClean="0"/>
-              <a:t>2018/7/10</a:t>
+              <a:t>2020/3/15</a:t>
             </a:fld>
             <a:endParaRPr lang="zh-CN" altLang="en-US"/>
           </a:p>
@@ -9874,7 +9874,7 @@
           <a:p>
             <a:fld id="{5268A087-47ED-405F-92BC-3360289E2AE6}" type="datetimeFigureOut">
               <a:rPr lang="zh-CN" altLang="en-US" smtClean="0"/>
-              <a:t>2018/7/10</a:t>
+              <a:t>2020/3/15</a:t>
             </a:fld>
             <a:endParaRPr lang="zh-CN" altLang="en-US"/>
           </a:p>
@@ -10800,7 +10800,7 @@
           </a:lstStyle>
           <a:p>
             <a:r>
-              <a:rPr lang="zh-CN" altLang="en-US" smtClean="0"/>
+              <a:rPr lang="zh-CN" altLang="en-US"/>
               <a:t>单击此处编辑母版标题样式</a:t>
             </a:r>
             <a:endParaRPr lang="en-US" dirty="0"/>
@@ -10831,35 +10831,35 @@
           <a:p>
             <a:pPr lvl="0"/>
             <a:r>
-              <a:rPr lang="zh-CN" altLang="en-US" smtClean="0"/>
+              <a:rPr lang="zh-CN" altLang="en-US"/>
               <a:t>编辑母版文本样式</a:t>
             </a:r>
           </a:p>
           <a:p>
             <a:pPr lvl="1"/>
             <a:r>
-              <a:rPr lang="zh-CN" altLang="en-US" smtClean="0"/>
+              <a:rPr lang="zh-CN" altLang="en-US"/>
               <a:t>第二级</a:t>
             </a:r>
           </a:p>
           <a:p>
             <a:pPr lvl="2"/>
             <a:r>
-              <a:rPr lang="zh-CN" altLang="en-US" smtClean="0"/>
+              <a:rPr lang="zh-CN" altLang="en-US"/>
               <a:t>第三级</a:t>
             </a:r>
           </a:p>
           <a:p>
             <a:pPr lvl="3"/>
             <a:r>
-              <a:rPr lang="zh-CN" altLang="en-US" smtClean="0"/>
+              <a:rPr lang="zh-CN" altLang="en-US"/>
               <a:t>第四级</a:t>
             </a:r>
           </a:p>
           <a:p>
             <a:pPr lvl="4"/>
             <a:r>
-              <a:rPr lang="zh-CN" altLang="en-US" smtClean="0"/>
+              <a:rPr lang="zh-CN" altLang="en-US"/>
               <a:t>第五级</a:t>
             </a:r>
             <a:endParaRPr lang="en-US" dirty="0"/>
@@ -10932,7 +10932,7 @@
           <a:p>
             <a:pPr lvl="0"/>
             <a:r>
-              <a:rPr lang="zh-CN" altLang="en-US" smtClean="0"/>
+              <a:rPr lang="zh-CN" altLang="en-US"/>
               <a:t>编辑母版文本样式</a:t>
             </a:r>
           </a:p>
@@ -10955,7 +10955,7 @@
           <a:p>
             <a:fld id="{5268A087-47ED-405F-92BC-3360289E2AE6}" type="datetimeFigureOut">
               <a:rPr lang="zh-CN" altLang="en-US" smtClean="0"/>
-              <a:t>2018/7/10</a:t>
+              <a:t>2020/3/15</a:t>
             </a:fld>
             <a:endParaRPr lang="zh-CN" altLang="en-US"/>
           </a:p>
@@ -11883,7 +11883,7 @@
           </a:lstStyle>
           <a:p>
             <a:r>
-              <a:rPr lang="zh-CN" altLang="en-US" smtClean="0"/>
+              <a:rPr lang="zh-CN" altLang="en-US"/>
               <a:t>单击此处编辑母版标题样式</a:t>
             </a:r>
             <a:endParaRPr lang="en-US" dirty="0"/>
@@ -11965,7 +11965,7 @@
               <a:buNone/>
             </a:pPr>
             <a:r>
-              <a:rPr lang="zh-CN" altLang="en-US" smtClean="0"/>
+              <a:rPr lang="zh-CN" altLang="en-US"/>
               <a:t>单击图标添加图片</a:t>
             </a:r>
             <a:endParaRPr lang="en-US" dirty="0"/>
@@ -12040,7 +12040,7 @@
           <a:p>
             <a:pPr lvl="0"/>
             <a:r>
-              <a:rPr lang="zh-CN" altLang="en-US" smtClean="0"/>
+              <a:rPr lang="zh-CN" altLang="en-US"/>
               <a:t>编辑母版文本样式</a:t>
             </a:r>
           </a:p>
@@ -12063,7 +12063,7 @@
           <a:p>
             <a:fld id="{5268A087-47ED-405F-92BC-3360289E2AE6}" type="datetimeFigureOut">
               <a:rPr lang="zh-CN" altLang="en-US" smtClean="0"/>
-              <a:t>2018/7/10</a:t>
+              <a:t>2020/3/15</a:t>
             </a:fld>
             <a:endParaRPr lang="zh-CN" altLang="en-US"/>
           </a:p>
@@ -12958,7 +12958,7 @@
           <a:lstStyle/>
           <a:p>
             <a:r>
-              <a:rPr lang="zh-CN" altLang="en-US" smtClean="0"/>
+              <a:rPr lang="zh-CN" altLang="en-US"/>
               <a:t>单击此处编辑母版标题样式</a:t>
             </a:r>
             <a:endParaRPr lang="en-US" dirty="0"/>
@@ -12992,35 +12992,35 @@
           <a:p>
             <a:pPr lvl="0"/>
             <a:r>
-              <a:rPr lang="zh-CN" altLang="en-US" smtClean="0"/>
+              <a:rPr lang="zh-CN" altLang="en-US"/>
               <a:t>编辑母版文本样式</a:t>
             </a:r>
           </a:p>
           <a:p>
             <a:pPr lvl="1"/>
             <a:r>
-              <a:rPr lang="zh-CN" altLang="en-US" smtClean="0"/>
+              <a:rPr lang="zh-CN" altLang="en-US"/>
               <a:t>第二级</a:t>
             </a:r>
           </a:p>
           <a:p>
             <a:pPr lvl="2"/>
             <a:r>
-              <a:rPr lang="zh-CN" altLang="en-US" smtClean="0"/>
+              <a:rPr lang="zh-CN" altLang="en-US"/>
               <a:t>第三级</a:t>
             </a:r>
           </a:p>
           <a:p>
             <a:pPr lvl="3"/>
             <a:r>
-              <a:rPr lang="zh-CN" altLang="en-US" smtClean="0"/>
+              <a:rPr lang="zh-CN" altLang="en-US"/>
               <a:t>第四级</a:t>
             </a:r>
           </a:p>
           <a:p>
             <a:pPr lvl="4"/>
             <a:r>
-              <a:rPr lang="zh-CN" altLang="en-US" smtClean="0"/>
+              <a:rPr lang="zh-CN" altLang="en-US"/>
               <a:t>第五级</a:t>
             </a:r>
             <a:endParaRPr lang="en-US" dirty="0"/>
@@ -13060,7 +13060,7 @@
           <a:p>
             <a:fld id="{5268A087-47ED-405F-92BC-3360289E2AE6}" type="datetimeFigureOut">
               <a:rPr lang="zh-CN" altLang="en-US" smtClean="0"/>
-              <a:t>2018/7/10</a:t>
+              <a:t>2020/3/15</a:t>
             </a:fld>
             <a:endParaRPr lang="zh-CN" altLang="en-US"/>
           </a:p>
@@ -13641,7 +13641,7 @@
           <a:p>
             <a:pPr algn="ctr"/>
             <a:r>
-              <a:rPr lang="en-US" altLang="zh-CN" dirty="0" smtClean="0"/>
+              <a:rPr lang="en-US" altLang="zh-CN" dirty="0"/>
               <a:t>Meeting 1</a:t>
             </a:r>
             <a:endParaRPr lang="zh-CN" altLang="en-US" dirty="0"/>
@@ -13670,10 +13670,9 @@
           <a:p>
             <a:pPr algn="ctr"/>
             <a:r>
-              <a:rPr lang="en-US" altLang="zh-CN" dirty="0" smtClean="0"/>
+              <a:rPr lang="en-US" altLang="zh-CN" dirty="0"/>
               <a:t>7/10/2018</a:t>
             </a:r>
-            <a:endParaRPr lang="en-US" altLang="zh-CN" dirty="0" smtClean="0"/>
           </a:p>
         </p:txBody>
       </p:sp>
@@ -13700,7 +13699,7 @@
           <a:lstStyle/>
           <a:p>
             <a:r>
-              <a:rPr lang="en-US" altLang="zh-CN" dirty="0" err="1" smtClean="0">
+              <a:rPr lang="en-US" altLang="zh-CN" dirty="0" err="1">
                 <a:solidFill>
                   <a:schemeClr val="accent1">
                     <a:lumMod val="60000"/>
@@ -13711,7 +13710,7 @@
               <a:t>Zikang</a:t>
             </a:r>
             <a:r>
-              <a:rPr lang="en-US" altLang="zh-CN" dirty="0" smtClean="0">
+              <a:rPr lang="en-US" altLang="zh-CN" dirty="0">
                 <a:solidFill>
                   <a:schemeClr val="accent1">
                     <a:lumMod val="60000"/>
@@ -13742,13 +13741,6 @@
   <p:clrMapOvr>
     <a:masterClrMapping/>
   </p:clrMapOvr>
-  <p:timing>
-    <p:tnLst>
-      <p:par>
-        <p:cTn id="1" dur="indefinite" restart="never" nodeType="tmRoot"/>
-      </p:par>
-    </p:tnLst>
-  </p:timing>
 </p:sld>
 </file>
 
@@ -13785,7 +13777,7 @@
           <a:lstStyle/>
           <a:p>
             <a:r>
-              <a:rPr lang="en-US" altLang="zh-CN" dirty="0" smtClean="0"/>
+              <a:rPr lang="en-US" altLang="zh-CN" dirty="0"/>
               <a:t>Cooperative Game </a:t>
             </a:r>
             <a:endParaRPr lang="zh-CN" altLang="en-US" dirty="0"/>
@@ -13808,7 +13800,7 @@
           <a:lstStyle/>
           <a:p>
             <a:r>
-              <a:rPr lang="en-US" altLang="zh-CN" dirty="0" smtClean="0"/>
+              <a:rPr lang="en-US" altLang="zh-CN" dirty="0"/>
               <a:t>From the two people’s bargaining game</a:t>
             </a:r>
           </a:p>
@@ -13816,14 +13808,14 @@
             <a:endParaRPr lang="en-US" altLang="zh-CN" dirty="0"/>
           </a:p>
           <a:p>
-            <a:endParaRPr lang="en-US" altLang="zh-CN" dirty="0" smtClean="0"/>
-          </a:p>
-          <a:p>
             <a:endParaRPr lang="en-US" altLang="zh-CN" dirty="0"/>
           </a:p>
           <a:p>
-            <a:r>
-              <a:rPr lang="en-US" altLang="zh-CN" dirty="0" smtClean="0"/>
+            <a:endParaRPr lang="en-US" altLang="zh-CN" dirty="0"/>
+          </a:p>
+          <a:p>
+            <a:r>
+              <a:rPr lang="en-US" altLang="zh-CN" dirty="0"/>
               <a:t>Grand coalition</a:t>
             </a:r>
           </a:p>
@@ -13842,13 +13834,6 @@
   <p:clrMapOvr>
     <a:masterClrMapping/>
   </p:clrMapOvr>
-  <p:timing>
-    <p:tnLst>
-      <p:par>
-        <p:cTn id="1" dur="indefinite" restart="never" nodeType="tmRoot"/>
-      </p:par>
-    </p:tnLst>
-  </p:timing>
 </p:sld>
 </file>
 
@@ -13885,7 +13870,7 @@
           <a:lstStyle/>
           <a:p>
             <a:r>
-              <a:rPr lang="en-US" altLang="zh-CN" dirty="0" smtClean="0"/>
+              <a:rPr lang="en-US" altLang="zh-CN" dirty="0"/>
               <a:t>Description of Cooperative Game</a:t>
             </a:r>
             <a:endParaRPr lang="zh-CN" altLang="en-US" dirty="0"/>
@@ -13910,7 +13895,7 @@
           <a:lstStyle/>
           <a:p>
             <a:r>
-              <a:rPr lang="en-US" altLang="zh-CN" dirty="0" smtClean="0"/>
+              <a:rPr lang="en-US" altLang="zh-CN" dirty="0"/>
               <a:t>Characteristic function form  (N , v)</a:t>
             </a:r>
           </a:p>
@@ -13919,7 +13904,7 @@
           </a:p>
           <a:p>
             <a:r>
-              <a:rPr lang="en-US" altLang="zh-CN" dirty="0" smtClean="0"/>
+              <a:rPr lang="en-US" altLang="zh-CN" dirty="0"/>
               <a:t>N = {1,2,…,n}     the players set</a:t>
             </a:r>
           </a:p>
@@ -13928,23 +13913,23 @@
           </a:p>
           <a:p>
             <a:r>
-              <a:rPr lang="en-US" altLang="zh-CN" dirty="0" smtClean="0"/>
+              <a:rPr lang="en-US" altLang="zh-CN" dirty="0"/>
               <a:t>Characteristic function  v : 2</a:t>
             </a:r>
             <a:r>
-              <a:rPr lang="en-US" altLang="zh-CN" baseline="30000" dirty="0" smtClean="0"/>
+              <a:rPr lang="en-US" altLang="zh-CN" baseline="30000" dirty="0"/>
               <a:t>N</a:t>
             </a:r>
             <a:r>
-              <a:rPr lang="zh-CN" altLang="en-US" dirty="0" smtClean="0"/>
+              <a:rPr lang="zh-CN" altLang="en-US" dirty="0"/>
               <a:t> → </a:t>
             </a:r>
             <a:r>
-              <a:rPr lang="en-US" altLang="zh-CN" dirty="0" smtClean="0"/>
+              <a:rPr lang="en-US" altLang="zh-CN" dirty="0"/>
               <a:t>R</a:t>
             </a:r>
             <a:r>
-              <a:rPr lang="en-US" altLang="zh-CN" baseline="30000" dirty="0" smtClean="0"/>
+              <a:rPr lang="en-US" altLang="zh-CN" baseline="30000" dirty="0"/>
               <a:t> N</a:t>
             </a:r>
           </a:p>
@@ -13953,11 +13938,11 @@
           </a:p>
           <a:p>
             <a:r>
-              <a:rPr lang="en-US" altLang="zh-CN" dirty="0" smtClean="0"/>
+              <a:rPr lang="en-US" altLang="zh-CN" dirty="0"/>
               <a:t>Game set     G</a:t>
             </a:r>
             <a:r>
-              <a:rPr lang="en-US" altLang="zh-CN" baseline="30000" dirty="0" smtClean="0"/>
+              <a:rPr lang="en-US" altLang="zh-CN" baseline="30000" dirty="0"/>
               <a:t>N</a:t>
             </a:r>
           </a:p>
@@ -13976,13 +13961,6 @@
   <p:clrMapOvr>
     <a:masterClrMapping/>
   </p:clrMapOvr>
-  <p:timing>
-    <p:tnLst>
-      <p:par>
-        <p:cTn id="1" dur="indefinite" restart="never" nodeType="tmRoot"/>
-      </p:par>
-    </p:tnLst>
-  </p:timing>
 </p:sld>
 </file>
 
@@ -14019,7 +13997,7 @@
           <a:lstStyle/>
           <a:p>
             <a:r>
-              <a:rPr lang="en-US" altLang="zh-CN" dirty="0" smtClean="0"/>
+              <a:rPr lang="en-US" altLang="zh-CN" dirty="0"/>
               <a:t>Properties of allocation x</a:t>
             </a:r>
             <a:endParaRPr lang="zh-CN" altLang="en-US" dirty="0"/>
@@ -14044,7 +14022,7 @@
           <a:lstStyle/>
           <a:p>
             <a:r>
-              <a:rPr lang="en-US" altLang="zh-CN" dirty="0" smtClean="0"/>
+              <a:rPr lang="en-US" altLang="zh-CN" dirty="0"/>
               <a:t>Individual rational</a:t>
             </a:r>
           </a:p>
@@ -14053,7 +14031,7 @@
           </a:p>
           <a:p>
             <a:r>
-              <a:rPr lang="en-US" altLang="zh-CN" dirty="0" smtClean="0"/>
+              <a:rPr lang="en-US" altLang="zh-CN" dirty="0"/>
               <a:t>Group rational (Efficiency)</a:t>
             </a:r>
           </a:p>
@@ -14062,7 +14040,7 @@
           </a:p>
           <a:p>
             <a:r>
-              <a:rPr lang="en-US" altLang="zh-CN" dirty="0" smtClean="0"/>
+              <a:rPr lang="en-US" altLang="zh-CN" dirty="0"/>
               <a:t>Anonymity</a:t>
             </a:r>
           </a:p>
@@ -14071,7 +14049,7 @@
           </a:p>
           <a:p>
             <a:r>
-              <a:rPr lang="en-US" altLang="zh-CN" dirty="0" smtClean="0"/>
+              <a:rPr lang="en-US" altLang="zh-CN" dirty="0"/>
               <a:t>…</a:t>
             </a:r>
             <a:endParaRPr lang="zh-CN" altLang="en-US" dirty="0"/>
@@ -14088,13 +14066,6 @@
   <p:clrMapOvr>
     <a:masterClrMapping/>
   </p:clrMapOvr>
-  <p:timing>
-    <p:tnLst>
-      <p:par>
-        <p:cTn id="1" dur="indefinite" restart="never" nodeType="tmRoot"/>
-      </p:par>
-    </p:tnLst>
-  </p:timing>
 </p:sld>
 </file>
 
@@ -14131,7 +14102,7 @@
           <a:lstStyle/>
           <a:p>
             <a:r>
-              <a:rPr lang="en-US" altLang="zh-CN" dirty="0" smtClean="0"/>
+              <a:rPr lang="en-US" altLang="zh-CN" dirty="0"/>
               <a:t>Some classifications of Cooperative Game</a:t>
             </a:r>
             <a:endParaRPr lang="zh-CN" altLang="en-US" dirty="0"/>
@@ -14156,19 +14127,19 @@
           <a:lstStyle/>
           <a:p>
             <a:r>
-              <a:rPr lang="en-US" altLang="zh-CN" dirty="0" err="1" smtClean="0"/>
+              <a:rPr lang="en-US" altLang="zh-CN" dirty="0" err="1"/>
               <a:t>Superadditive</a:t>
             </a:r>
             <a:r>
-              <a:rPr lang="en-US" altLang="zh-CN" dirty="0" smtClean="0"/>
+              <a:rPr lang="en-US" altLang="zh-CN" dirty="0"/>
               <a:t> (</a:t>
             </a:r>
             <a:r>
-              <a:rPr lang="en-US" altLang="zh-CN" dirty="0" err="1" smtClean="0"/>
+              <a:rPr lang="en-US" altLang="zh-CN" dirty="0" err="1"/>
               <a:t>subadditive,additive</a:t>
             </a:r>
             <a:r>
-              <a:rPr lang="en-US" altLang="zh-CN" dirty="0" smtClean="0"/>
+              <a:rPr lang="en-US" altLang="zh-CN" dirty="0"/>
               <a:t>) game</a:t>
             </a:r>
           </a:p>
@@ -14177,7 +14148,7 @@
           </a:p>
           <a:p>
             <a:r>
-              <a:rPr lang="en-US" altLang="zh-CN" dirty="0" smtClean="0"/>
+              <a:rPr lang="en-US" altLang="zh-CN" dirty="0"/>
               <a:t>Convex (concave) game</a:t>
             </a:r>
           </a:p>
@@ -14186,7 +14157,7 @@
           </a:p>
           <a:p>
             <a:r>
-              <a:rPr lang="en-US" altLang="zh-CN" dirty="0" smtClean="0"/>
+              <a:rPr lang="en-US" altLang="zh-CN" dirty="0"/>
               <a:t>TU (NTU) Games </a:t>
             </a:r>
           </a:p>
@@ -14195,7 +14166,7 @@
           </a:p>
           <a:p>
             <a:r>
-              <a:rPr lang="en-US" altLang="zh-CN" dirty="0" smtClean="0"/>
+              <a:rPr lang="en-US" altLang="zh-CN" dirty="0"/>
               <a:t>…</a:t>
             </a:r>
             <a:endParaRPr lang="zh-CN" altLang="en-US" dirty="0"/>
@@ -14212,13 +14183,6 @@
   <p:clrMapOvr>
     <a:masterClrMapping/>
   </p:clrMapOvr>
-  <p:timing>
-    <p:tnLst>
-      <p:par>
-        <p:cTn id="1" dur="indefinite" restart="never" nodeType="tmRoot"/>
-      </p:par>
-    </p:tnLst>
-  </p:timing>
 </p:sld>
 </file>
 
@@ -14255,7 +14219,7 @@
           <a:lstStyle/>
           <a:p>
             <a:r>
-              <a:rPr lang="en-US" altLang="zh-CN" dirty="0" smtClean="0"/>
+              <a:rPr lang="en-US" altLang="zh-CN" dirty="0"/>
               <a:t>Sets of Games</a:t>
             </a:r>
             <a:endParaRPr lang="zh-CN" altLang="en-US" dirty="0"/>
@@ -14280,7 +14244,7 @@
           <a:lstStyle/>
           <a:p>
             <a:r>
-              <a:rPr lang="en-US" altLang="zh-CN" dirty="0" smtClean="0"/>
+              <a:rPr lang="en-US" altLang="zh-CN" dirty="0"/>
               <a:t>Imputation set  I(v)</a:t>
             </a:r>
           </a:p>
@@ -14289,7 +14253,7 @@
           </a:p>
           <a:p>
             <a:r>
-              <a:rPr lang="en-US" altLang="zh-CN" dirty="0" smtClean="0"/>
+              <a:rPr lang="en-US" altLang="zh-CN" dirty="0"/>
               <a:t>Core  c(v)</a:t>
             </a:r>
           </a:p>
@@ -14298,7 +14262,7 @@
           </a:p>
           <a:p>
             <a:r>
-              <a:rPr lang="en-US" altLang="zh-CN" dirty="0" smtClean="0"/>
+              <a:rPr lang="en-US" altLang="zh-CN" dirty="0"/>
               <a:t>Core cover  CC(v)</a:t>
             </a:r>
           </a:p>
@@ -14307,7 +14271,7 @@
           </a:p>
           <a:p>
             <a:r>
-              <a:rPr lang="en-US" altLang="zh-CN" dirty="0" smtClean="0"/>
+              <a:rPr lang="en-US" altLang="zh-CN" dirty="0"/>
               <a:t>Weber set   W(v)</a:t>
             </a:r>
           </a:p>
@@ -14316,12 +14280,12 @@
           </a:p>
           <a:p>
             <a:r>
-              <a:rPr lang="en-US" altLang="zh-CN" dirty="0" smtClean="0"/>
+              <a:rPr lang="en-US" altLang="zh-CN" dirty="0"/>
               <a:t>Stable set</a:t>
             </a:r>
           </a:p>
           <a:p>
-            <a:endParaRPr lang="en-US" altLang="zh-CN" dirty="0" smtClean="0"/>
+            <a:endParaRPr lang="en-US" altLang="zh-CN" dirty="0"/>
           </a:p>
           <a:p>
             <a:endParaRPr lang="en-US" altLang="zh-CN" dirty="0"/>
@@ -14341,13 +14305,6 @@
   <p:clrMapOvr>
     <a:masterClrMapping/>
   </p:clrMapOvr>
-  <p:timing>
-    <p:tnLst>
-      <p:par>
-        <p:cTn id="1" dur="indefinite" restart="never" nodeType="tmRoot"/>
-      </p:par>
-    </p:tnLst>
-  </p:timing>
 </p:sld>
 </file>
 
@@ -14384,7 +14341,7 @@
           <a:lstStyle/>
           <a:p>
             <a:r>
-              <a:rPr lang="en-US" altLang="zh-CN" dirty="0" smtClean="0"/>
+              <a:rPr lang="en-US" altLang="zh-CN" dirty="0"/>
               <a:t>Shapley Value</a:t>
             </a:r>
             <a:endParaRPr lang="zh-CN" altLang="en-US" dirty="0"/>
@@ -14407,44 +14364,40 @@
           <a:lstStyle/>
           <a:p>
             <a:r>
-              <a:rPr lang="en-US" altLang="zh-CN" dirty="0" smtClean="0"/>
+              <a:rPr lang="en-US" altLang="zh-CN" dirty="0"/>
               <a:t>Marginal contribution vector  </a:t>
             </a:r>
             <a:r>
-              <a:rPr lang="en-US" altLang="zh-CN" dirty="0" err="1" smtClean="0"/>
+              <a:rPr lang="en-US" altLang="zh-CN" dirty="0" err="1"/>
               <a:t>m</a:t>
             </a:r>
             <a:r>
-              <a:rPr lang="en-US" altLang="zh-CN" baseline="30000" dirty="0" err="1" smtClean="0"/>
+              <a:rPr lang="en-US" altLang="zh-CN" baseline="30000" dirty="0" err="1"/>
               <a:t>σ</a:t>
             </a:r>
             <a:r>
-              <a:rPr lang="en-US" altLang="zh-CN" dirty="0" smtClean="0"/>
-              <a:t>(v</a:t>
-            </a:r>
-            <a:r>
-              <a:rPr lang="en-US" altLang="zh-CN" dirty="0" smtClean="0"/>
-              <a:t>)</a:t>
-            </a:r>
-          </a:p>
-          <a:p>
-            <a:endParaRPr lang="en-US" altLang="zh-CN" dirty="0" smtClean="0"/>
+              <a:rPr lang="en-US" altLang="zh-CN" dirty="0"/>
+              <a:t>(v)</a:t>
+            </a:r>
+          </a:p>
+          <a:p>
+            <a:endParaRPr lang="en-US" altLang="zh-CN" dirty="0"/>
           </a:p>
           <a:p>
             <a:pPr marL="0" indent="0">
               <a:buNone/>
             </a:pPr>
-            <a:endParaRPr lang="en-US" altLang="zh-CN" dirty="0" smtClean="0"/>
-          </a:p>
-          <a:p>
-            <a:endParaRPr lang="en-US" altLang="zh-CN" dirty="0" smtClean="0"/>
-          </a:p>
-          <a:p>
             <a:endParaRPr lang="en-US" altLang="zh-CN" dirty="0"/>
           </a:p>
           <a:p>
-            <a:r>
-              <a:rPr lang="en-US" altLang="zh-CN" dirty="0" smtClean="0"/>
+            <a:endParaRPr lang="en-US" altLang="zh-CN" dirty="0"/>
+          </a:p>
+          <a:p>
+            <a:endParaRPr lang="en-US" altLang="zh-CN" dirty="0"/>
+          </a:p>
+          <a:p>
+            <a:r>
+              <a:rPr lang="en-US" altLang="zh-CN" dirty="0"/>
               <a:t>Many properties and axioms</a:t>
             </a:r>
             <a:endParaRPr lang="zh-CN" altLang="en-US" dirty="0"/>
@@ -14485,13 +14438,6 @@
   <p:clrMapOvr>
     <a:masterClrMapping/>
   </p:clrMapOvr>
-  <p:timing>
-    <p:tnLst>
-      <p:par>
-        <p:cTn id="1" dur="indefinite" restart="never" nodeType="tmRoot"/>
-      </p:par>
-    </p:tnLst>
-  </p:timing>
 </p:sld>
 </file>
 
@@ -14528,7 +14474,7 @@
           <a:lstStyle/>
           <a:p>
             <a:r>
-              <a:rPr lang="en-US" altLang="zh-CN" dirty="0" smtClean="0"/>
+              <a:rPr lang="en-US" altLang="zh-CN" dirty="0"/>
               <a:t>Problem and next step</a:t>
             </a:r>
             <a:endParaRPr lang="zh-CN" altLang="en-US" dirty="0"/>
@@ -14551,44 +14497,18 @@
           <a:lstStyle/>
           <a:p>
             <a:r>
-              <a:rPr lang="en-US" altLang="zh-CN" dirty="0" smtClean="0"/>
-              <a:t>Some confusing </a:t>
-            </a:r>
-            <a:r>
-              <a:rPr lang="en-US" altLang="zh-CN" dirty="0" smtClean="0"/>
-              <a:t>concepts</a:t>
-            </a:r>
-            <a:r>
               <a:rPr lang="en-US" altLang="zh-CN" dirty="0"/>
-              <a:t> </a:t>
-            </a:r>
-            <a:r>
-              <a:rPr lang="en-US" altLang="zh-CN" dirty="0" smtClean="0"/>
-              <a:t>need to be understood.</a:t>
-            </a:r>
-            <a:endParaRPr lang="en-US" altLang="zh-CN" dirty="0" smtClean="0"/>
+              <a:t>Some confusing concepts need to be understood.</a:t>
+            </a:r>
           </a:p>
           <a:p>
             <a:endParaRPr lang="en-US" altLang="zh-CN" dirty="0"/>
           </a:p>
           <a:p>
             <a:r>
-              <a:rPr lang="en-US" altLang="zh-CN" dirty="0" smtClean="0"/>
-              <a:t>Learn more</a:t>
-            </a:r>
-            <a:r>
-              <a:rPr lang="en-US" altLang="zh-CN" dirty="0" smtClean="0"/>
-              <a:t> about applications of Cooperative </a:t>
-            </a:r>
-            <a:r>
               <a:rPr lang="en-US" altLang="zh-CN" dirty="0"/>
-              <a:t>G</a:t>
-            </a:r>
-            <a:r>
-              <a:rPr lang="en-US" altLang="zh-CN" dirty="0" smtClean="0"/>
-              <a:t>ame, such as permutation game. </a:t>
-            </a:r>
-            <a:endParaRPr lang="en-US" altLang="zh-CN" dirty="0" smtClean="0"/>
+              <a:t>Learn more about applications of Cooperative Game, such as permutation game. </a:t>
+            </a:r>
           </a:p>
           <a:p>
             <a:endParaRPr lang="en-US" altLang="zh-CN" dirty="0"/>
@@ -14608,13 +14528,701 @@
   <p:clrMapOvr>
     <a:masterClrMapping/>
   </p:clrMapOvr>
-  <p:timing>
-    <p:tnLst>
-      <p:par>
-        <p:cTn id="1" dur="indefinite" restart="never" nodeType="tmRoot"/>
-      </p:par>
-    </p:tnLst>
-  </p:timing>
+</p:sld>
+</file>
+
+<file path=ppt/slides/slide9.xml><?xml version="1.0" encoding="utf-8"?>
+<p:sld xmlns:a="http://schemas.openxmlformats.org/drawingml/2006/main" xmlns:r="http://schemas.openxmlformats.org/officeDocument/2006/relationships" xmlns:p="http://schemas.openxmlformats.org/presentationml/2006/main" showMasterSp="0">
+  <p:cSld>
+    <p:spTree>
+      <p:nvGrpSpPr>
+        <p:cNvPr id="1" name=""/>
+        <p:cNvGrpSpPr/>
+        <p:nvPr/>
+      </p:nvGrpSpPr>
+      <p:grpSpPr>
+        <a:xfrm>
+          <a:off x="0" y="0"/>
+          <a:ext cx="0" cy="0"/>
+          <a:chOff x="0" y="0"/>
+          <a:chExt cx="0" cy="0"/>
+        </a:xfrm>
+      </p:grpSpPr>
+      <p:sp>
+        <p:nvSpPr>
+          <p:cNvPr id="2" name="矩形 1">
+            <a:extLst>
+              <a:ext uri="{FF2B5EF4-FFF2-40B4-BE49-F238E27FC236}">
+                <a16:creationId xmlns:a16="http://schemas.microsoft.com/office/drawing/2014/main" id="{1C532F40-5D0E-47B1-A4BE-C57A5C668CD9}"/>
+              </a:ext>
+            </a:extLst>
+          </p:cNvPr>
+          <p:cNvSpPr/>
+          <p:nvPr/>
+        </p:nvSpPr>
+        <p:spPr>
+          <a:xfrm>
+            <a:off x="1023456" y="897621"/>
+            <a:ext cx="1266738" cy="889233"/>
+          </a:xfrm>
+          <a:prstGeom prst="rect">
+            <a:avLst/>
+          </a:prstGeom>
+        </p:spPr>
+        <p:style>
+          <a:lnRef idx="2">
+            <a:schemeClr val="accent1">
+              <a:shade val="50000"/>
+            </a:schemeClr>
+          </a:lnRef>
+          <a:fillRef idx="1">
+            <a:schemeClr val="accent1"/>
+          </a:fillRef>
+          <a:effectRef idx="0">
+            <a:schemeClr val="accent1"/>
+          </a:effectRef>
+          <a:fontRef idx="minor">
+            <a:schemeClr val="lt1"/>
+          </a:fontRef>
+        </p:style>
+        <p:txBody>
+          <a:bodyPr rtlCol="0" anchor="ctr"/>
+          <a:lstStyle/>
+          <a:p>
+            <a:pPr algn="ctr"/>
+            <a:r>
+              <a:rPr lang="zh-CN" altLang="en-US" dirty="0"/>
+              <a:t>修改</a:t>
+            </a:r>
+            <a:r>
+              <a:rPr lang="en-US" altLang="zh-CN" dirty="0"/>
+              <a:t>A</a:t>
+            </a:r>
+            <a:r>
+              <a:rPr lang="zh-CN" altLang="en-US" dirty="0"/>
+              <a:t>的方法</a:t>
+            </a:r>
+          </a:p>
+        </p:txBody>
+      </p:sp>
+      <p:sp>
+        <p:nvSpPr>
+          <p:cNvPr id="3" name="箭头: 右 2">
+            <a:extLst>
+              <a:ext uri="{FF2B5EF4-FFF2-40B4-BE49-F238E27FC236}">
+                <a16:creationId xmlns:a16="http://schemas.microsoft.com/office/drawing/2014/main" id="{97E42756-C4F3-4C56-8388-6EEA9D5E0A72}"/>
+              </a:ext>
+            </a:extLst>
+          </p:cNvPr>
+          <p:cNvSpPr/>
+          <p:nvPr/>
+        </p:nvSpPr>
+        <p:spPr>
+          <a:xfrm>
+            <a:off x="2491530" y="1291905"/>
+            <a:ext cx="419450" cy="142612"/>
+          </a:xfrm>
+          <a:prstGeom prst="rightArrow">
+            <a:avLst/>
+          </a:prstGeom>
+        </p:spPr>
+        <p:style>
+          <a:lnRef idx="2">
+            <a:schemeClr val="accent1">
+              <a:shade val="50000"/>
+            </a:schemeClr>
+          </a:lnRef>
+          <a:fillRef idx="1">
+            <a:schemeClr val="accent1"/>
+          </a:fillRef>
+          <a:effectRef idx="0">
+            <a:schemeClr val="accent1"/>
+          </a:effectRef>
+          <a:fontRef idx="minor">
+            <a:schemeClr val="lt1"/>
+          </a:fontRef>
+        </p:style>
+        <p:txBody>
+          <a:bodyPr rtlCol="0" anchor="ctr"/>
+          <a:lstStyle/>
+          <a:p>
+            <a:pPr algn="ctr"/>
+            <a:endParaRPr lang="zh-CN" altLang="en-US"/>
+          </a:p>
+        </p:txBody>
+      </p:sp>
+      <p:sp>
+        <p:nvSpPr>
+          <p:cNvPr id="4" name="矩形 3">
+            <a:extLst>
+              <a:ext uri="{FF2B5EF4-FFF2-40B4-BE49-F238E27FC236}">
+                <a16:creationId xmlns:a16="http://schemas.microsoft.com/office/drawing/2014/main" id="{2E266DD3-B37A-4331-BDB2-D7FDE727708D}"/>
+              </a:ext>
+            </a:extLst>
+          </p:cNvPr>
+          <p:cNvSpPr/>
+          <p:nvPr/>
+        </p:nvSpPr>
+        <p:spPr>
+          <a:xfrm>
+            <a:off x="3432495" y="897620"/>
+            <a:ext cx="1266738" cy="889233"/>
+          </a:xfrm>
+          <a:prstGeom prst="rect">
+            <a:avLst/>
+          </a:prstGeom>
+        </p:spPr>
+        <p:style>
+          <a:lnRef idx="2">
+            <a:schemeClr val="accent1">
+              <a:shade val="50000"/>
+            </a:schemeClr>
+          </a:lnRef>
+          <a:fillRef idx="1">
+            <a:schemeClr val="accent1"/>
+          </a:fillRef>
+          <a:effectRef idx="0">
+            <a:schemeClr val="accent1"/>
+          </a:effectRef>
+          <a:fontRef idx="minor">
+            <a:schemeClr val="lt1"/>
+          </a:fontRef>
+        </p:style>
+        <p:txBody>
+          <a:bodyPr rtlCol="0" anchor="ctr"/>
+          <a:lstStyle/>
+          <a:p>
+            <a:pPr algn="ctr"/>
+            <a:r>
+              <a:rPr lang="zh-CN" altLang="en-US" dirty="0"/>
+              <a:t>得到可行的初始</a:t>
+            </a:r>
+            <a:r>
+              <a:rPr lang="en-US" altLang="zh-CN" dirty="0"/>
+              <a:t>A0</a:t>
+            </a:r>
+            <a:endParaRPr lang="zh-CN" altLang="en-US" dirty="0"/>
+          </a:p>
+        </p:txBody>
+      </p:sp>
+      <p:sp>
+        <p:nvSpPr>
+          <p:cNvPr id="6" name="箭头: 右 5">
+            <a:extLst>
+              <a:ext uri="{FF2B5EF4-FFF2-40B4-BE49-F238E27FC236}">
+                <a16:creationId xmlns:a16="http://schemas.microsoft.com/office/drawing/2014/main" id="{B4D882BE-B8D4-416F-A2F1-02D0125191AC}"/>
+              </a:ext>
+            </a:extLst>
+          </p:cNvPr>
+          <p:cNvSpPr/>
+          <p:nvPr/>
+        </p:nvSpPr>
+        <p:spPr>
+          <a:xfrm>
+            <a:off x="5220748" y="1291905"/>
+            <a:ext cx="419450" cy="142612"/>
+          </a:xfrm>
+          <a:prstGeom prst="rightArrow">
+            <a:avLst/>
+          </a:prstGeom>
+        </p:spPr>
+        <p:style>
+          <a:lnRef idx="2">
+            <a:schemeClr val="accent1">
+              <a:shade val="50000"/>
+            </a:schemeClr>
+          </a:lnRef>
+          <a:fillRef idx="1">
+            <a:schemeClr val="accent1"/>
+          </a:fillRef>
+          <a:effectRef idx="0">
+            <a:schemeClr val="accent1"/>
+          </a:effectRef>
+          <a:fontRef idx="minor">
+            <a:schemeClr val="lt1"/>
+          </a:fontRef>
+        </p:style>
+        <p:txBody>
+          <a:bodyPr rtlCol="0" anchor="ctr"/>
+          <a:lstStyle/>
+          <a:p>
+            <a:pPr algn="ctr"/>
+            <a:endParaRPr lang="zh-CN" altLang="en-US"/>
+          </a:p>
+        </p:txBody>
+      </p:sp>
+      <p:sp>
+        <p:nvSpPr>
+          <p:cNvPr id="7" name="矩形 6">
+            <a:extLst>
+              <a:ext uri="{FF2B5EF4-FFF2-40B4-BE49-F238E27FC236}">
+                <a16:creationId xmlns:a16="http://schemas.microsoft.com/office/drawing/2014/main" id="{46AA8AF6-52D5-4D10-8EC7-097288D42C71}"/>
+              </a:ext>
+            </a:extLst>
+          </p:cNvPr>
+          <p:cNvSpPr/>
+          <p:nvPr/>
+        </p:nvSpPr>
+        <p:spPr>
+          <a:xfrm>
+            <a:off x="6093202" y="897619"/>
+            <a:ext cx="1591113" cy="889233"/>
+          </a:xfrm>
+          <a:prstGeom prst="rect">
+            <a:avLst/>
+          </a:prstGeom>
+        </p:spPr>
+        <p:style>
+          <a:lnRef idx="2">
+            <a:schemeClr val="accent1">
+              <a:shade val="50000"/>
+            </a:schemeClr>
+          </a:lnRef>
+          <a:fillRef idx="1">
+            <a:schemeClr val="accent1"/>
+          </a:fillRef>
+          <a:effectRef idx="0">
+            <a:schemeClr val="accent1"/>
+          </a:effectRef>
+          <a:fontRef idx="minor">
+            <a:schemeClr val="lt1"/>
+          </a:fontRef>
+        </p:style>
+        <p:txBody>
+          <a:bodyPr rtlCol="0" anchor="ctr"/>
+          <a:lstStyle/>
+          <a:p>
+            <a:pPr algn="ctr"/>
+            <a:r>
+              <a:rPr lang="zh-CN" altLang="en-US" dirty="0"/>
+              <a:t>根据</a:t>
+            </a:r>
+            <a:r>
+              <a:rPr lang="en-US" altLang="zh-CN" dirty="0"/>
+              <a:t>LR</a:t>
+            </a:r>
+            <a:r>
+              <a:rPr lang="zh-CN" altLang="en-US" dirty="0"/>
+              <a:t>或</a:t>
+            </a:r>
+            <a:endParaRPr lang="en-US" altLang="zh-CN" dirty="0"/>
+          </a:p>
+          <a:p>
+            <a:pPr algn="ctr"/>
+            <a:r>
+              <a:rPr lang="zh-CN" altLang="en-US" dirty="0"/>
+              <a:t>其他方法得到</a:t>
+            </a:r>
+            <a:endParaRPr lang="en-US" altLang="zh-CN" dirty="0"/>
+          </a:p>
+          <a:p>
+            <a:pPr algn="ctr"/>
+            <a:r>
+              <a:rPr lang="zh-CN" altLang="en-US" dirty="0"/>
+              <a:t>对偶变量</a:t>
+            </a:r>
+            <a:r>
+              <a:rPr lang="en-US" altLang="zh-CN" dirty="0"/>
+              <a:t>y</a:t>
+            </a:r>
+            <a:endParaRPr lang="zh-CN" altLang="en-US" dirty="0"/>
+          </a:p>
+        </p:txBody>
+      </p:sp>
+      <p:sp>
+        <p:nvSpPr>
+          <p:cNvPr id="8" name="箭头: 右 7">
+            <a:extLst>
+              <a:ext uri="{FF2B5EF4-FFF2-40B4-BE49-F238E27FC236}">
+                <a16:creationId xmlns:a16="http://schemas.microsoft.com/office/drawing/2014/main" id="{B1019B6A-5CB3-449B-B8B1-C76A0C98D53D}"/>
+              </a:ext>
+            </a:extLst>
+          </p:cNvPr>
+          <p:cNvSpPr/>
+          <p:nvPr/>
+        </p:nvSpPr>
+        <p:spPr>
+          <a:xfrm>
+            <a:off x="8292516" y="1291905"/>
+            <a:ext cx="419450" cy="142612"/>
+          </a:xfrm>
+          <a:prstGeom prst="rightArrow">
+            <a:avLst/>
+          </a:prstGeom>
+        </p:spPr>
+        <p:style>
+          <a:lnRef idx="2">
+            <a:schemeClr val="accent1">
+              <a:shade val="50000"/>
+            </a:schemeClr>
+          </a:lnRef>
+          <a:fillRef idx="1">
+            <a:schemeClr val="accent1"/>
+          </a:fillRef>
+          <a:effectRef idx="0">
+            <a:schemeClr val="accent1"/>
+          </a:effectRef>
+          <a:fontRef idx="minor">
+            <a:schemeClr val="lt1"/>
+          </a:fontRef>
+        </p:style>
+        <p:txBody>
+          <a:bodyPr rtlCol="0" anchor="ctr"/>
+          <a:lstStyle/>
+          <a:p>
+            <a:pPr algn="ctr"/>
+            <a:endParaRPr lang="zh-CN" altLang="en-US"/>
+          </a:p>
+        </p:txBody>
+      </p:sp>
+      <p:sp>
+        <p:nvSpPr>
+          <p:cNvPr id="10" name="矩形 9">
+            <a:extLst>
+              <a:ext uri="{FF2B5EF4-FFF2-40B4-BE49-F238E27FC236}">
+                <a16:creationId xmlns:a16="http://schemas.microsoft.com/office/drawing/2014/main" id="{2DDDF8D5-EFC9-4DAE-AF4D-3927C54179A1}"/>
+              </a:ext>
+            </a:extLst>
+          </p:cNvPr>
+          <p:cNvSpPr/>
+          <p:nvPr/>
+        </p:nvSpPr>
+        <p:spPr>
+          <a:xfrm>
+            <a:off x="9155185" y="897619"/>
+            <a:ext cx="1675002" cy="889233"/>
+          </a:xfrm>
+          <a:prstGeom prst="rect">
+            <a:avLst/>
+          </a:prstGeom>
+        </p:spPr>
+        <p:style>
+          <a:lnRef idx="2">
+            <a:schemeClr val="accent1">
+              <a:shade val="50000"/>
+            </a:schemeClr>
+          </a:lnRef>
+          <a:fillRef idx="1">
+            <a:schemeClr val="accent1"/>
+          </a:fillRef>
+          <a:effectRef idx="0">
+            <a:schemeClr val="accent1"/>
+          </a:effectRef>
+          <a:fontRef idx="minor">
+            <a:schemeClr val="lt1"/>
+          </a:fontRef>
+        </p:style>
+        <p:txBody>
+          <a:bodyPr rtlCol="0" anchor="ctr"/>
+          <a:lstStyle/>
+          <a:p>
+            <a:pPr algn="ctr"/>
+            <a:r>
+              <a:rPr lang="zh-CN" altLang="en-US" dirty="0"/>
+              <a:t>计算 </a:t>
+            </a:r>
+            <a:endParaRPr lang="en-US" altLang="zh-CN" dirty="0"/>
+          </a:p>
+          <a:p>
+            <a:pPr algn="ctr"/>
+            <a:r>
+              <a:rPr lang="en-US" altLang="zh-CN" dirty="0"/>
+              <a:t>Duality Gap</a:t>
+            </a:r>
+            <a:endParaRPr lang="zh-CN" altLang="en-US" dirty="0"/>
+          </a:p>
+        </p:txBody>
+      </p:sp>
+      <p:sp>
+        <p:nvSpPr>
+          <p:cNvPr id="12" name="箭头: 圆角右 11">
+            <a:extLst>
+              <a:ext uri="{FF2B5EF4-FFF2-40B4-BE49-F238E27FC236}">
+                <a16:creationId xmlns:a16="http://schemas.microsoft.com/office/drawing/2014/main" id="{7BBF6105-41B1-4162-B192-15FDE6D3E7DA}"/>
+              </a:ext>
+            </a:extLst>
+          </p:cNvPr>
+          <p:cNvSpPr/>
+          <p:nvPr/>
+        </p:nvSpPr>
+        <p:spPr>
+          <a:xfrm rot="10800000">
+            <a:off x="7843704" y="2617364"/>
+            <a:ext cx="2332141" cy="629175"/>
+          </a:xfrm>
+          <a:prstGeom prst="bentArrow">
+            <a:avLst/>
+          </a:prstGeom>
+        </p:spPr>
+        <p:style>
+          <a:lnRef idx="2">
+            <a:schemeClr val="accent1">
+              <a:shade val="50000"/>
+            </a:schemeClr>
+          </a:lnRef>
+          <a:fillRef idx="1">
+            <a:schemeClr val="accent1"/>
+          </a:fillRef>
+          <a:effectRef idx="0">
+            <a:schemeClr val="accent1"/>
+          </a:effectRef>
+          <a:fontRef idx="minor">
+            <a:schemeClr val="lt1"/>
+          </a:fontRef>
+        </p:style>
+        <p:txBody>
+          <a:bodyPr rtlCol="0" anchor="ctr"/>
+          <a:lstStyle/>
+          <a:p>
+            <a:pPr algn="ctr"/>
+            <a:endParaRPr lang="zh-CN" altLang="en-US">
+              <a:solidFill>
+                <a:schemeClr val="tx1"/>
+              </a:solidFill>
+            </a:endParaRPr>
+          </a:p>
+        </p:txBody>
+      </p:sp>
+      <p:sp>
+        <p:nvSpPr>
+          <p:cNvPr id="14" name="矩形 13">
+            <a:extLst>
+              <a:ext uri="{FF2B5EF4-FFF2-40B4-BE49-F238E27FC236}">
+                <a16:creationId xmlns:a16="http://schemas.microsoft.com/office/drawing/2014/main" id="{D59B7F62-BC7B-4C67-9F23-81317F949EA3}"/>
+              </a:ext>
+            </a:extLst>
+          </p:cNvPr>
+          <p:cNvSpPr/>
+          <p:nvPr/>
+        </p:nvSpPr>
+        <p:spPr>
+          <a:xfrm>
+            <a:off x="5640198" y="2617364"/>
+            <a:ext cx="1675002" cy="889233"/>
+          </a:xfrm>
+          <a:prstGeom prst="rect">
+            <a:avLst/>
+          </a:prstGeom>
+        </p:spPr>
+        <p:style>
+          <a:lnRef idx="2">
+            <a:schemeClr val="accent1">
+              <a:shade val="50000"/>
+            </a:schemeClr>
+          </a:lnRef>
+          <a:fillRef idx="1">
+            <a:schemeClr val="accent1"/>
+          </a:fillRef>
+          <a:effectRef idx="0">
+            <a:schemeClr val="accent1"/>
+          </a:effectRef>
+          <a:fontRef idx="minor">
+            <a:schemeClr val="lt1"/>
+          </a:fontRef>
+        </p:style>
+        <p:txBody>
+          <a:bodyPr rtlCol="0" anchor="ctr"/>
+          <a:lstStyle/>
+          <a:p>
+            <a:pPr algn="ctr"/>
+            <a:r>
+              <a:rPr lang="zh-CN" altLang="en-US" dirty="0"/>
+              <a:t> </a:t>
+            </a:r>
+            <a:r>
+              <a:rPr lang="en-US" altLang="zh-CN" dirty="0"/>
+              <a:t>Duality Gap = 0 </a:t>
+            </a:r>
+            <a:r>
+              <a:rPr lang="zh-CN" altLang="en-US" dirty="0"/>
+              <a:t>？</a:t>
+            </a:r>
+          </a:p>
+        </p:txBody>
+      </p:sp>
+      <p:sp>
+        <p:nvSpPr>
+          <p:cNvPr id="15" name="箭头: 左 14">
+            <a:extLst>
+              <a:ext uri="{FF2B5EF4-FFF2-40B4-BE49-F238E27FC236}">
+                <a16:creationId xmlns:a16="http://schemas.microsoft.com/office/drawing/2014/main" id="{64A5E0EF-870C-45C9-A157-46988AEB138A}"/>
+              </a:ext>
+            </a:extLst>
+          </p:cNvPr>
+          <p:cNvSpPr/>
+          <p:nvPr/>
+        </p:nvSpPr>
+        <p:spPr>
+          <a:xfrm>
+            <a:off x="4242037" y="2931952"/>
+            <a:ext cx="643153" cy="230698"/>
+          </a:xfrm>
+          <a:prstGeom prst="leftArrow">
+            <a:avLst/>
+          </a:prstGeom>
+        </p:spPr>
+        <p:style>
+          <a:lnRef idx="2">
+            <a:schemeClr val="accent1">
+              <a:shade val="50000"/>
+            </a:schemeClr>
+          </a:lnRef>
+          <a:fillRef idx="1">
+            <a:schemeClr val="accent1"/>
+          </a:fillRef>
+          <a:effectRef idx="0">
+            <a:schemeClr val="accent1"/>
+          </a:effectRef>
+          <a:fontRef idx="minor">
+            <a:schemeClr val="lt1"/>
+          </a:fontRef>
+        </p:style>
+        <p:txBody>
+          <a:bodyPr rtlCol="0" anchor="ctr"/>
+          <a:lstStyle/>
+          <a:p>
+            <a:pPr algn="ctr"/>
+            <a:r>
+              <a:rPr lang="en-US" altLang="zh-CN" sz="2800" dirty="0">
+                <a:solidFill>
+                  <a:schemeClr val="tx1"/>
+                </a:solidFill>
+              </a:rPr>
+              <a:t>Y</a:t>
+            </a:r>
+            <a:endParaRPr lang="zh-CN" altLang="en-US" sz="2800" dirty="0">
+              <a:solidFill>
+                <a:schemeClr val="tx1"/>
+              </a:solidFill>
+            </a:endParaRPr>
+          </a:p>
+        </p:txBody>
+      </p:sp>
+      <p:sp>
+        <p:nvSpPr>
+          <p:cNvPr id="16" name="箭头: 左 15">
+            <a:extLst>
+              <a:ext uri="{FF2B5EF4-FFF2-40B4-BE49-F238E27FC236}">
+                <a16:creationId xmlns:a16="http://schemas.microsoft.com/office/drawing/2014/main" id="{8F3D079F-02F4-4AEA-8361-0A4B31869E8D}"/>
+              </a:ext>
+            </a:extLst>
+          </p:cNvPr>
+          <p:cNvSpPr/>
+          <p:nvPr/>
+        </p:nvSpPr>
+        <p:spPr>
+          <a:xfrm rot="2581304">
+            <a:off x="4802776" y="2187546"/>
+            <a:ext cx="643153" cy="142612"/>
+          </a:xfrm>
+          <a:prstGeom prst="leftArrow">
+            <a:avLst/>
+          </a:prstGeom>
+        </p:spPr>
+        <p:style>
+          <a:lnRef idx="2">
+            <a:schemeClr val="accent1">
+              <a:shade val="50000"/>
+            </a:schemeClr>
+          </a:lnRef>
+          <a:fillRef idx="1">
+            <a:schemeClr val="accent1"/>
+          </a:fillRef>
+          <a:effectRef idx="0">
+            <a:schemeClr val="accent1"/>
+          </a:effectRef>
+          <a:fontRef idx="minor">
+            <a:schemeClr val="lt1"/>
+          </a:fontRef>
+        </p:style>
+        <p:txBody>
+          <a:bodyPr rtlCol="0" anchor="ctr"/>
+          <a:lstStyle/>
+          <a:p>
+            <a:pPr algn="ctr"/>
+            <a:r>
+              <a:rPr lang="en-US" altLang="zh-CN" sz="2400" dirty="0">
+                <a:solidFill>
+                  <a:schemeClr val="tx1"/>
+                </a:solidFill>
+              </a:rPr>
+              <a:t>N</a:t>
+            </a:r>
+            <a:endParaRPr lang="zh-CN" altLang="en-US" dirty="0">
+              <a:solidFill>
+                <a:schemeClr val="tx1"/>
+              </a:solidFill>
+            </a:endParaRPr>
+          </a:p>
+        </p:txBody>
+      </p:sp>
+      <p:sp>
+        <p:nvSpPr>
+          <p:cNvPr id="17" name="矩形 16">
+            <a:extLst>
+              <a:ext uri="{FF2B5EF4-FFF2-40B4-BE49-F238E27FC236}">
+                <a16:creationId xmlns:a16="http://schemas.microsoft.com/office/drawing/2014/main" id="{A090EDC8-F64B-4F94-B7B2-1BDF7095390C}"/>
+              </a:ext>
+            </a:extLst>
+          </p:cNvPr>
+          <p:cNvSpPr/>
+          <p:nvPr/>
+        </p:nvSpPr>
+        <p:spPr>
+          <a:xfrm>
+            <a:off x="2272023" y="2617364"/>
+            <a:ext cx="1266738" cy="889233"/>
+          </a:xfrm>
+          <a:prstGeom prst="rect">
+            <a:avLst/>
+          </a:prstGeom>
+        </p:spPr>
+        <p:style>
+          <a:lnRef idx="2">
+            <a:schemeClr val="accent1">
+              <a:shade val="50000"/>
+            </a:schemeClr>
+          </a:lnRef>
+          <a:fillRef idx="1">
+            <a:schemeClr val="accent1"/>
+          </a:fillRef>
+          <a:effectRef idx="0">
+            <a:schemeClr val="accent1"/>
+          </a:effectRef>
+          <a:fontRef idx="minor">
+            <a:schemeClr val="lt1"/>
+          </a:fontRef>
+        </p:style>
+        <p:txBody>
+          <a:bodyPr rtlCol="0" anchor="ctr"/>
+          <a:lstStyle/>
+          <a:p>
+            <a:pPr algn="ctr"/>
+            <a:r>
+              <a:rPr lang="en-US" altLang="zh-CN" dirty="0"/>
+              <a:t>Optimal</a:t>
+            </a:r>
+          </a:p>
+          <a:p>
+            <a:pPr algn="ctr"/>
+            <a:r>
+              <a:rPr lang="en-US" altLang="zh-CN" dirty="0"/>
+              <a:t>Solution</a:t>
+            </a:r>
+            <a:endParaRPr lang="zh-CN" altLang="en-US" dirty="0"/>
+          </a:p>
+        </p:txBody>
+      </p:sp>
+    </p:spTree>
+    <p:extLst>
+      <p:ext uri="{BB962C8B-B14F-4D97-AF65-F5344CB8AC3E}">
+        <p14:creationId xmlns:p14="http://schemas.microsoft.com/office/powerpoint/2010/main" val="2780772290"/>
+      </p:ext>
+    </p:extLst>
+  </p:cSld>
+  <p:clrMapOvr>
+    <a:masterClrMapping/>
+  </p:clrMapOvr>
 </p:sld>
 </file>
 
